--- a/2.Advanced lesson/11.Infrared control/For Microbit V1.5/Infrared control.pptx
+++ b/2.Advanced lesson/11.Infrared control/For Microbit V1.5/Infrared control.pptx
@@ -15183,7 +15183,7 @@
         <p:spPr>
           <a:xfrm>
             <a:off x="2764155" y="3196590"/>
-            <a:ext cx="8801735" cy="2225040"/>
+            <a:ext cx="8801735" cy="2590800"/>
           </a:xfrm>
           <a:prstGeom prst="rect">
             <a:avLst/>
@@ -15253,7 +15253,18 @@
                 <a:ea typeface="Arial" pitchFamily="34" charset="0"/>
                 <a:sym typeface="+mn-ea"/>
               </a:rPr>
-              <a:t>https://github.com/lzty634158/YB_IR </a:t>
+              <a:t>https://github.com/YahboomTechnology/Yahboom_IR</a:t>
+            </a:r>
+            <a:r>
+              <a:rPr lang="en-US" sz="2400" dirty="0">
+                <a:solidFill>
+                  <a:srgbClr val="FF0000"/>
+                </a:solidFill>
+                <a:latin typeface="Arial" pitchFamily="34" charset="0"/>
+                <a:ea typeface="Arial" pitchFamily="34" charset="0"/>
+                <a:sym typeface="+mn-ea"/>
+              </a:rPr>
+              <a:t> </a:t>
             </a:r>
             <a:r>
               <a:rPr lang="en-US" sz="2400" dirty="0">
